--- a/3_EMtlslsresluts.pptx
+++ b/3_EMtlslsresluts.pptx
@@ -204,7 +204,7 @@
           <a:p>
             <a:fld id="{40BFB7F0-EBC1-48D5-9D65-4F699AB724A9}" type="datetimeFigureOut">
               <a:rPr lang="zh-CN" altLang="en-US" smtClean="0"/>
-              <a:t>2023/6/25</a:t>
+              <a:t>2023/7/1</a:t>
             </a:fld>
             <a:endParaRPr lang="zh-CN" altLang="en-US"/>
           </a:p>
@@ -618,7 +618,7 @@
           <a:p>
             <a:fld id="{7CB975A5-1082-4927-95DF-34EEBD0E3008}" type="datetimeFigureOut">
               <a:rPr lang="zh-CN" altLang="en-US" smtClean="0"/>
-              <a:t>2023/6/25</a:t>
+              <a:t>2023/7/1</a:t>
             </a:fld>
             <a:endParaRPr lang="zh-CN" altLang="en-US"/>
           </a:p>
@@ -816,7 +816,7 @@
           <a:p>
             <a:fld id="{7CB975A5-1082-4927-95DF-34EEBD0E3008}" type="datetimeFigureOut">
               <a:rPr lang="zh-CN" altLang="en-US" smtClean="0"/>
-              <a:t>2023/6/25</a:t>
+              <a:t>2023/7/1</a:t>
             </a:fld>
             <a:endParaRPr lang="zh-CN" altLang="en-US"/>
           </a:p>
@@ -1024,7 +1024,7 @@
           <a:p>
             <a:fld id="{7CB975A5-1082-4927-95DF-34EEBD0E3008}" type="datetimeFigureOut">
               <a:rPr lang="zh-CN" altLang="en-US" smtClean="0"/>
-              <a:t>2023/6/25</a:t>
+              <a:t>2023/7/1</a:t>
             </a:fld>
             <a:endParaRPr lang="zh-CN" altLang="en-US"/>
           </a:p>
@@ -1222,7 +1222,7 @@
           <a:p>
             <a:fld id="{7CB975A5-1082-4927-95DF-34EEBD0E3008}" type="datetimeFigureOut">
               <a:rPr lang="zh-CN" altLang="en-US" smtClean="0"/>
-              <a:t>2023/6/25</a:t>
+              <a:t>2023/7/1</a:t>
             </a:fld>
             <a:endParaRPr lang="zh-CN" altLang="en-US"/>
           </a:p>
@@ -1497,7 +1497,7 @@
           <a:p>
             <a:fld id="{7CB975A5-1082-4927-95DF-34EEBD0E3008}" type="datetimeFigureOut">
               <a:rPr lang="zh-CN" altLang="en-US" smtClean="0"/>
-              <a:t>2023/6/25</a:t>
+              <a:t>2023/7/1</a:t>
             </a:fld>
             <a:endParaRPr lang="zh-CN" altLang="en-US"/>
           </a:p>
@@ -1762,7 +1762,7 @@
           <a:p>
             <a:fld id="{7CB975A5-1082-4927-95DF-34EEBD0E3008}" type="datetimeFigureOut">
               <a:rPr lang="zh-CN" altLang="en-US" smtClean="0"/>
-              <a:t>2023/6/25</a:t>
+              <a:t>2023/7/1</a:t>
             </a:fld>
             <a:endParaRPr lang="zh-CN" altLang="en-US"/>
           </a:p>
@@ -2174,7 +2174,7 @@
           <a:p>
             <a:fld id="{7CB975A5-1082-4927-95DF-34EEBD0E3008}" type="datetimeFigureOut">
               <a:rPr lang="zh-CN" altLang="en-US" smtClean="0"/>
-              <a:t>2023/6/25</a:t>
+              <a:t>2023/7/1</a:t>
             </a:fld>
             <a:endParaRPr lang="zh-CN" altLang="en-US"/>
           </a:p>
@@ -2315,7 +2315,7 @@
           <a:p>
             <a:fld id="{7CB975A5-1082-4927-95DF-34EEBD0E3008}" type="datetimeFigureOut">
               <a:rPr lang="zh-CN" altLang="en-US" smtClean="0"/>
-              <a:t>2023/6/25</a:t>
+              <a:t>2023/7/1</a:t>
             </a:fld>
             <a:endParaRPr lang="zh-CN" altLang="en-US"/>
           </a:p>
@@ -2428,7 +2428,7 @@
           <a:p>
             <a:fld id="{7CB975A5-1082-4927-95DF-34EEBD0E3008}" type="datetimeFigureOut">
               <a:rPr lang="zh-CN" altLang="en-US" smtClean="0"/>
-              <a:t>2023/6/25</a:t>
+              <a:t>2023/7/1</a:t>
             </a:fld>
             <a:endParaRPr lang="zh-CN" altLang="en-US"/>
           </a:p>
@@ -2739,7 +2739,7 @@
           <a:p>
             <a:fld id="{7CB975A5-1082-4927-95DF-34EEBD0E3008}" type="datetimeFigureOut">
               <a:rPr lang="zh-CN" altLang="en-US" smtClean="0"/>
-              <a:t>2023/6/25</a:t>
+              <a:t>2023/7/1</a:t>
             </a:fld>
             <a:endParaRPr lang="zh-CN" altLang="en-US"/>
           </a:p>
@@ -3027,7 +3027,7 @@
           <a:p>
             <a:fld id="{7CB975A5-1082-4927-95DF-34EEBD0E3008}" type="datetimeFigureOut">
               <a:rPr lang="zh-CN" altLang="en-US" smtClean="0"/>
-              <a:t>2023/6/25</a:t>
+              <a:t>2023/7/1</a:t>
             </a:fld>
             <a:endParaRPr lang="zh-CN" altLang="en-US"/>
           </a:p>
@@ -3268,7 +3268,7 @@
           <a:p>
             <a:fld id="{7CB975A5-1082-4927-95DF-34EEBD0E3008}" type="datetimeFigureOut">
               <a:rPr lang="zh-CN" altLang="en-US" smtClean="0"/>
-              <a:t>2023/6/25</a:t>
+              <a:t>2023/7/1</a:t>
             </a:fld>
             <a:endParaRPr lang="zh-CN" altLang="en-US"/>
           </a:p>
@@ -5968,8 +5968,8 @@
           <a:chExt cx="0" cy="0"/>
         </a:xfrm>
       </p:grpSpPr>
-      <mc:AlternateContent xmlns:mc="http://schemas.openxmlformats.org/markup-compatibility/2006" xmlns:a14="http://schemas.microsoft.com/office/drawing/2010/main">
-        <mc:Choice Requires="a14">
+      <mc:AlternateContent xmlns:mc="http://schemas.openxmlformats.org/markup-compatibility/2006">
+        <mc:Choice xmlns:a14="http://schemas.microsoft.com/office/drawing/2010/main" Requires="a14">
           <p:sp>
             <p:nvSpPr>
               <p:cNvPr id="2" name="文本框 1">
@@ -5985,7 +5985,7 @@
             <p:spPr>
               <a:xfrm>
                 <a:off x="1130538" y="484249"/>
-                <a:ext cx="10397398" cy="5308441"/>
+                <a:ext cx="10397398" cy="4846776"/>
               </a:xfrm>
               <a:prstGeom prst="rect">
                 <a:avLst/>
@@ -6295,18 +6295,10 @@
                 </a:r>
                 <a:endParaRPr lang="en-US" altLang="zh-CN" sz="2000" dirty="0"/>
               </a:p>
-              <a:p>
-                <a:pPr>
-                  <a:lnSpc>
-                    <a:spcPct val="150000"/>
-                  </a:lnSpc>
-                </a:pPr>
-                <a:endParaRPr lang="en-US" altLang="zh-CN" sz="2000" b="1" dirty="0"/>
-              </a:p>
             </p:txBody>
           </p:sp>
         </mc:Choice>
-        <mc:Fallback xmlns="">
+        <mc:Fallback>
           <p:sp>
             <p:nvSpPr>
               <p:cNvPr id="2" name="文本框 1">
@@ -6324,7 +6316,7 @@
             <p:spPr>
               <a:xfrm>
                 <a:off x="1130538" y="484249"/>
-                <a:ext cx="10397398" cy="5308441"/>
+                <a:ext cx="10397398" cy="4846776"/>
               </a:xfrm>
               <a:prstGeom prst="rect">
                 <a:avLst/>
@@ -6332,7 +6324,7 @@
               <a:blipFill>
                 <a:blip r:embed="rId2"/>
                 <a:stretch>
-                  <a:fillRect l="-1172"/>
+                  <a:fillRect l="-1172" b="-1131"/>
                 </a:stretch>
               </a:blipFill>
             </p:spPr>
@@ -6351,8 +6343,8 @@
           </p:sp>
         </mc:Fallback>
       </mc:AlternateContent>
-      <mc:AlternateContent xmlns:mc="http://schemas.openxmlformats.org/markup-compatibility/2006" xmlns:a14="http://schemas.microsoft.com/office/drawing/2010/main">
-        <mc:Choice Requires="a14">
+      <mc:AlternateContent xmlns:mc="http://schemas.openxmlformats.org/markup-compatibility/2006">
+        <mc:Choice xmlns:a14="http://schemas.microsoft.com/office/drawing/2010/main" Requires="a14">
           <p:sp>
             <p:nvSpPr>
               <p:cNvPr id="3" name="矩形 2">
@@ -6367,15 +6359,15 @@
             </p:nvSpPr>
             <p:spPr>
               <a:xfrm>
-                <a:off x="3048000" y="2662637"/>
-                <a:ext cx="6096000" cy="1532727"/>
+                <a:off x="7728856" y="-74366"/>
+                <a:ext cx="4708072" cy="1117229"/>
               </a:xfrm>
               <a:prstGeom prst="rect">
                 <a:avLst/>
               </a:prstGeom>
             </p:spPr>
             <p:txBody>
-              <a:bodyPr>
+              <a:bodyPr wrap="square">
                 <a:spAutoFit/>
               </a:bodyPr>
               <a:lstStyle/>
@@ -6385,22 +6377,6 @@
                     <a:spcPct val="150000"/>
                   </a:lnSpc>
                 </a:pPr>
-                <a:r>
-                  <a:rPr lang="zh-CN" altLang="en-US" dirty="0"/>
-                  <a:t>（此处权值：</a:t>
-                </a:r>
-                <a:endParaRPr lang="en-US" altLang="zh-CN" dirty="0"/>
-              </a:p>
-              <a:p>
-                <a:pPr>
-                  <a:lnSpc>
-                    <a:spcPct val="150000"/>
-                  </a:lnSpc>
-                </a:pPr>
-                <a:r>
-                  <a:rPr lang="en-US" altLang="zh-CN" dirty="0"/>
-                  <a:t>        </a:t>
-                </a:r>
                 <a:r>
                   <a:rPr lang="zh-CN" altLang="en-US" dirty="0"/>
                   <a:t>原始三批次电池的标准差为</a:t>
@@ -6604,16 +6580,12 @@
                     </m:r>
                   </m:oMath>
                 </a14:m>
-                <a:r>
-                  <a:rPr lang="zh-CN" altLang="en-US" dirty="0"/>
-                  <a:t>）</a:t>
-                </a:r>
                 <a:endParaRPr lang="en-US" altLang="zh-CN" dirty="0"/>
               </a:p>
             </p:txBody>
           </p:sp>
         </mc:Choice>
-        <mc:Fallback xmlns="">
+        <mc:Fallback>
           <p:sp>
             <p:nvSpPr>
               <p:cNvPr id="3" name="矩形 2">
@@ -6630,8 +6602,8 @@
             </p:nvSpPr>
             <p:spPr>
               <a:xfrm>
-                <a:off x="3048000" y="2662637"/>
-                <a:ext cx="6096000" cy="1532727"/>
+                <a:off x="7728856" y="-74366"/>
+                <a:ext cx="4708072" cy="1117229"/>
               </a:xfrm>
               <a:prstGeom prst="rect">
                 <a:avLst/>
@@ -6639,7 +6611,7 @@
               <a:blipFill>
                 <a:blip r:embed="rId3"/>
                 <a:stretch>
-                  <a:fillRect l="-800" b="-32271"/>
+                  <a:fillRect l="-1166" r="-777" b="-44809"/>
                 </a:stretch>
               </a:blipFill>
             </p:spPr>
@@ -6798,7 +6770,7 @@
         </p:blipFill>
         <p:spPr>
           <a:xfrm>
-            <a:off x="827444" y="276638"/>
+            <a:off x="393224" y="363723"/>
             <a:ext cx="2476846" cy="1066949"/>
           </a:xfrm>
           <a:prstGeom prst="rect">
@@ -6834,7 +6806,7 @@
         </p:blipFill>
         <p:spPr>
           <a:xfrm>
-            <a:off x="632710" y="1471501"/>
+            <a:off x="393224" y="1558587"/>
             <a:ext cx="5852172" cy="4389129"/>
           </a:xfrm>
           <a:prstGeom prst="rect">
@@ -6870,7 +6842,7 @@
         </p:blipFill>
         <p:spPr>
           <a:xfrm>
-            <a:off x="6184047" y="1471501"/>
+            <a:off x="5944561" y="1520487"/>
             <a:ext cx="5852172" cy="4389129"/>
           </a:xfrm>
           <a:prstGeom prst="rect">
@@ -6930,7 +6902,7 @@
         </p:blipFill>
         <p:spPr>
           <a:xfrm>
-            <a:off x="569533" y="385499"/>
+            <a:off x="308181" y="309299"/>
             <a:ext cx="2838846" cy="1086002"/>
           </a:xfrm>
           <a:prstGeom prst="rect">
@@ -7062,7 +7034,7 @@
         </p:blipFill>
         <p:spPr>
           <a:xfrm>
-            <a:off x="751223" y="414078"/>
+            <a:off x="248200" y="278007"/>
             <a:ext cx="2781688" cy="1057423"/>
           </a:xfrm>
           <a:prstGeom prst="rect">
@@ -7098,7 +7070,7 @@
         </p:blipFill>
         <p:spPr>
           <a:xfrm>
-            <a:off x="6096000" y="1666235"/>
+            <a:off x="6177642" y="1426749"/>
             <a:ext cx="5852172" cy="4389129"/>
           </a:xfrm>
           <a:prstGeom prst="rect">
@@ -7134,7 +7106,7 @@
         </p:blipFill>
         <p:spPr>
           <a:xfrm>
-            <a:off x="166558" y="1666234"/>
+            <a:off x="248200" y="1426748"/>
             <a:ext cx="5852172" cy="4389129"/>
           </a:xfrm>
           <a:prstGeom prst="rect">
@@ -7142,45 +7114,6 @@
           </a:prstGeom>
         </p:spPr>
       </p:pic>
-      <p:sp>
-        <p:nvSpPr>
-          <p:cNvPr id="2" name="文本框 1">
-            <a:extLst>
-              <a:ext uri="{FF2B5EF4-FFF2-40B4-BE49-F238E27FC236}">
-                <a16:creationId xmlns:a16="http://schemas.microsoft.com/office/drawing/2014/main" id="{7F473848-8DBB-46DC-9C9C-B299A810E703}"/>
-              </a:ext>
-            </a:extLst>
-          </p:cNvPr>
-          <p:cNvSpPr txBox="1"/>
-          <p:nvPr/>
-        </p:nvSpPr>
-        <p:spPr>
-          <a:xfrm>
-            <a:off x="3092644" y="684103"/>
-            <a:ext cx="3886200" cy="646331"/>
-          </a:xfrm>
-          <a:prstGeom prst="rect">
-            <a:avLst/>
-          </a:prstGeom>
-          <a:noFill/>
-        </p:spPr>
-        <p:txBody>
-          <a:bodyPr wrap="square" rtlCol="0">
-            <a:spAutoFit/>
-          </a:bodyPr>
-          <a:lstStyle/>
-          <a:p>
-            <a:r>
-              <a:rPr lang="en-US" altLang="zh-CN" dirty="0"/>
-              <a:t>j=[0,1…,19],times</a:t>
-            </a:r>
-            <a:r>
-              <a:rPr lang="zh-CN" altLang="en-US" dirty="0"/>
-              <a:t>是三个电池批次的标准差取值</a:t>
-            </a:r>
-          </a:p>
-        </p:txBody>
-      </p:sp>
     </p:spTree>
     <p:extLst>
       <p:ext uri="{BB962C8B-B14F-4D97-AF65-F5344CB8AC3E}">

--- a/3_EMtlslsresluts.pptx
+++ b/3_EMtlslsresluts.pptx
@@ -13,9 +13,9 @@
     <p:sldId id="273" r:id="rId4"/>
     <p:sldId id="281" r:id="rId5"/>
     <p:sldId id="277" r:id="rId6"/>
-    <p:sldId id="286" r:id="rId7"/>
-    <p:sldId id="289" r:id="rId8"/>
-    <p:sldId id="290" r:id="rId9"/>
+    <p:sldId id="257" r:id="rId7"/>
+    <p:sldId id="259" r:id="rId8"/>
+    <p:sldId id="282" r:id="rId9"/>
   </p:sldIdLst>
   <p:sldSz cx="12192000" cy="6858000"/>
   <p:notesSz cx="6858000" cy="9144000"/>
@@ -204,7 +204,7 @@
           <a:p>
             <a:fld id="{40BFB7F0-EBC1-48D5-9D65-4F699AB724A9}" type="datetimeFigureOut">
               <a:rPr lang="zh-CN" altLang="en-US" smtClean="0"/>
-              <a:t>2023/7/1</a:t>
+              <a:t>2023/8/6</a:t>
             </a:fld>
             <a:endParaRPr lang="zh-CN" altLang="en-US"/>
           </a:p>
@@ -618,7 +618,7 @@
           <a:p>
             <a:fld id="{7CB975A5-1082-4927-95DF-34EEBD0E3008}" type="datetimeFigureOut">
               <a:rPr lang="zh-CN" altLang="en-US" smtClean="0"/>
-              <a:t>2023/7/1</a:t>
+              <a:t>2023/8/6</a:t>
             </a:fld>
             <a:endParaRPr lang="zh-CN" altLang="en-US"/>
           </a:p>
@@ -816,7 +816,7 @@
           <a:p>
             <a:fld id="{7CB975A5-1082-4927-95DF-34EEBD0E3008}" type="datetimeFigureOut">
               <a:rPr lang="zh-CN" altLang="en-US" smtClean="0"/>
-              <a:t>2023/7/1</a:t>
+              <a:t>2023/8/6</a:t>
             </a:fld>
             <a:endParaRPr lang="zh-CN" altLang="en-US"/>
           </a:p>
@@ -1024,7 +1024,7 @@
           <a:p>
             <a:fld id="{7CB975A5-1082-4927-95DF-34EEBD0E3008}" type="datetimeFigureOut">
               <a:rPr lang="zh-CN" altLang="en-US" smtClean="0"/>
-              <a:t>2023/7/1</a:t>
+              <a:t>2023/8/6</a:t>
             </a:fld>
             <a:endParaRPr lang="zh-CN" altLang="en-US"/>
           </a:p>
@@ -1222,7 +1222,7 @@
           <a:p>
             <a:fld id="{7CB975A5-1082-4927-95DF-34EEBD0E3008}" type="datetimeFigureOut">
               <a:rPr lang="zh-CN" altLang="en-US" smtClean="0"/>
-              <a:t>2023/7/1</a:t>
+              <a:t>2023/8/6</a:t>
             </a:fld>
             <a:endParaRPr lang="zh-CN" altLang="en-US"/>
           </a:p>
@@ -1497,7 +1497,7 @@
           <a:p>
             <a:fld id="{7CB975A5-1082-4927-95DF-34EEBD0E3008}" type="datetimeFigureOut">
               <a:rPr lang="zh-CN" altLang="en-US" smtClean="0"/>
-              <a:t>2023/7/1</a:t>
+              <a:t>2023/8/6</a:t>
             </a:fld>
             <a:endParaRPr lang="zh-CN" altLang="en-US"/>
           </a:p>
@@ -1762,7 +1762,7 @@
           <a:p>
             <a:fld id="{7CB975A5-1082-4927-95DF-34EEBD0E3008}" type="datetimeFigureOut">
               <a:rPr lang="zh-CN" altLang="en-US" smtClean="0"/>
-              <a:t>2023/7/1</a:t>
+              <a:t>2023/8/6</a:t>
             </a:fld>
             <a:endParaRPr lang="zh-CN" altLang="en-US"/>
           </a:p>
@@ -2174,7 +2174,7 @@
           <a:p>
             <a:fld id="{7CB975A5-1082-4927-95DF-34EEBD0E3008}" type="datetimeFigureOut">
               <a:rPr lang="zh-CN" altLang="en-US" smtClean="0"/>
-              <a:t>2023/7/1</a:t>
+              <a:t>2023/8/6</a:t>
             </a:fld>
             <a:endParaRPr lang="zh-CN" altLang="en-US"/>
           </a:p>
@@ -2315,7 +2315,7 @@
           <a:p>
             <a:fld id="{7CB975A5-1082-4927-95DF-34EEBD0E3008}" type="datetimeFigureOut">
               <a:rPr lang="zh-CN" altLang="en-US" smtClean="0"/>
-              <a:t>2023/7/1</a:t>
+              <a:t>2023/8/6</a:t>
             </a:fld>
             <a:endParaRPr lang="zh-CN" altLang="en-US"/>
           </a:p>
@@ -2428,7 +2428,7 @@
           <a:p>
             <a:fld id="{7CB975A5-1082-4927-95DF-34EEBD0E3008}" type="datetimeFigureOut">
               <a:rPr lang="zh-CN" altLang="en-US" smtClean="0"/>
-              <a:t>2023/7/1</a:t>
+              <a:t>2023/8/6</a:t>
             </a:fld>
             <a:endParaRPr lang="zh-CN" altLang="en-US"/>
           </a:p>
@@ -2739,7 +2739,7 @@
           <a:p>
             <a:fld id="{7CB975A5-1082-4927-95DF-34EEBD0E3008}" type="datetimeFigureOut">
               <a:rPr lang="zh-CN" altLang="en-US" smtClean="0"/>
-              <a:t>2023/7/1</a:t>
+              <a:t>2023/8/6</a:t>
             </a:fld>
             <a:endParaRPr lang="zh-CN" altLang="en-US"/>
           </a:p>
@@ -3027,7 +3027,7 @@
           <a:p>
             <a:fld id="{7CB975A5-1082-4927-95DF-34EEBD0E3008}" type="datetimeFigureOut">
               <a:rPr lang="zh-CN" altLang="en-US" smtClean="0"/>
-              <a:t>2023/7/1</a:t>
+              <a:t>2023/8/6</a:t>
             </a:fld>
             <a:endParaRPr lang="zh-CN" altLang="en-US"/>
           </a:p>
@@ -3268,7 +3268,7 @@
           <a:p>
             <a:fld id="{7CB975A5-1082-4927-95DF-34EEBD0E3008}" type="datetimeFigureOut">
               <a:rPr lang="zh-CN" altLang="en-US" smtClean="0"/>
-              <a:t>2023/7/1</a:t>
+              <a:t>2023/8/6</a:t>
             </a:fld>
             <a:endParaRPr lang="zh-CN" altLang="en-US"/>
           </a:p>
@@ -5968,8 +5968,8 @@
           <a:chExt cx="0" cy="0"/>
         </a:xfrm>
       </p:grpSpPr>
-      <mc:AlternateContent xmlns:mc="http://schemas.openxmlformats.org/markup-compatibility/2006">
-        <mc:Choice xmlns:a14="http://schemas.microsoft.com/office/drawing/2010/main" Requires="a14">
+      <mc:AlternateContent xmlns:mc="http://schemas.openxmlformats.org/markup-compatibility/2006" xmlns:a14="http://schemas.microsoft.com/office/drawing/2010/main">
+        <mc:Choice Requires="a14">
           <p:sp>
             <p:nvSpPr>
               <p:cNvPr id="2" name="文本框 1">
@@ -6298,7 +6298,7 @@
             </p:txBody>
           </p:sp>
         </mc:Choice>
-        <mc:Fallback>
+        <mc:Fallback xmlns="">
           <p:sp>
             <p:nvSpPr>
               <p:cNvPr id="2" name="文本框 1">
@@ -6343,8 +6343,8 @@
           </p:sp>
         </mc:Fallback>
       </mc:AlternateContent>
-      <mc:AlternateContent xmlns:mc="http://schemas.openxmlformats.org/markup-compatibility/2006">
-        <mc:Choice xmlns:a14="http://schemas.microsoft.com/office/drawing/2010/main" Requires="a14">
+      <mc:AlternateContent xmlns:mc="http://schemas.openxmlformats.org/markup-compatibility/2006" xmlns:a14="http://schemas.microsoft.com/office/drawing/2010/main">
+        <mc:Choice Requires="a14">
           <p:sp>
             <p:nvSpPr>
               <p:cNvPr id="3" name="矩形 2">
@@ -6359,7 +6359,7 @@
             </p:nvSpPr>
             <p:spPr>
               <a:xfrm>
-                <a:off x="7728856" y="-74366"/>
+                <a:off x="7385956" y="137905"/>
                 <a:ext cx="4708072" cy="1117229"/>
               </a:xfrm>
               <a:prstGeom prst="rect">
@@ -6585,7 +6585,7 @@
             </p:txBody>
           </p:sp>
         </mc:Choice>
-        <mc:Fallback>
+        <mc:Fallback xmlns="">
           <p:sp>
             <p:nvSpPr>
               <p:cNvPr id="3" name="矩形 2">
@@ -6602,7 +6602,7 @@
             </p:nvSpPr>
             <p:spPr>
               <a:xfrm>
-                <a:off x="7728856" y="-74366"/>
+                <a:off x="7385956" y="137905"/>
                 <a:ext cx="4708072" cy="1117229"/>
               </a:xfrm>
               <a:prstGeom prst="rect">
@@ -6748,12 +6748,55 @@
           <a:chExt cx="0" cy="0"/>
         </a:xfrm>
       </p:grpSpPr>
+      <p:sp>
+        <p:nvSpPr>
+          <p:cNvPr id="2" name="文本框 1">
+            <a:extLst>
+              <a:ext uri="{FF2B5EF4-FFF2-40B4-BE49-F238E27FC236}">
+                <a16:creationId xmlns:a16="http://schemas.microsoft.com/office/drawing/2014/main" id="{5A133876-C5A1-4400-FE0A-B3592C9A8AE9}"/>
+              </a:ext>
+            </a:extLst>
+          </p:cNvPr>
+          <p:cNvSpPr txBox="1"/>
+          <p:nvPr/>
+        </p:nvSpPr>
+        <p:spPr>
+          <a:xfrm>
+            <a:off x="6941263" y="963329"/>
+            <a:ext cx="3985272" cy="369332"/>
+          </a:xfrm>
+          <a:prstGeom prst="rect">
+            <a:avLst/>
+          </a:prstGeom>
+          <a:noFill/>
+        </p:spPr>
+        <p:txBody>
+          <a:bodyPr wrap="square" rtlCol="0">
+            <a:spAutoFit/>
+          </a:bodyPr>
+          <a:lstStyle/>
+          <a:p>
+            <a:r>
+              <a:rPr lang="en-US" altLang="zh-CN" dirty="0"/>
+              <a:t>TLS</a:t>
+            </a:r>
+            <a:r>
+              <a:rPr lang="zh-CN" altLang="en-US" dirty="0"/>
+              <a:t>，噪声水平在</a:t>
+            </a:r>
+            <a:r>
+              <a:rPr lang="en-US" altLang="zh-CN" dirty="0"/>
+              <a:t>0.01-5</a:t>
+            </a:r>
+          </a:p>
+        </p:txBody>
+      </p:sp>
       <p:pic>
         <p:nvPicPr>
-          <p:cNvPr id="2" name="图片 1">
+          <p:cNvPr id="7" name="图片 6">
             <a:extLst>
               <a:ext uri="{FF2B5EF4-FFF2-40B4-BE49-F238E27FC236}">
-                <a16:creationId xmlns:a16="http://schemas.microsoft.com/office/drawing/2014/main" id="{139E58B0-0E80-425C-B4B1-96B62B179115}"/>
+                <a16:creationId xmlns:a16="http://schemas.microsoft.com/office/drawing/2014/main" id="{9C83EB41-2A7C-E26F-DB83-5E58DE107B7A}"/>
               </a:ext>
             </a:extLst>
           </p:cNvPr>
@@ -6763,37 +6806,7 @@
           <p:nvPr/>
         </p:nvPicPr>
         <p:blipFill>
-          <a:blip r:embed="rId2"/>
-          <a:stretch>
-            <a:fillRect/>
-          </a:stretch>
-        </p:blipFill>
-        <p:spPr>
-          <a:xfrm>
-            <a:off x="393224" y="363723"/>
-            <a:ext cx="2476846" cy="1066949"/>
-          </a:xfrm>
-          <a:prstGeom prst="rect">
-            <a:avLst/>
-          </a:prstGeom>
-        </p:spPr>
-      </p:pic>
-      <p:pic>
-        <p:nvPicPr>
-          <p:cNvPr id="6" name="图片 5">
-            <a:extLst>
-              <a:ext uri="{FF2B5EF4-FFF2-40B4-BE49-F238E27FC236}">
-                <a16:creationId xmlns:a16="http://schemas.microsoft.com/office/drawing/2014/main" id="{D20F5DE4-4CD7-4CCA-88FC-3025204D20D1}"/>
-              </a:ext>
-            </a:extLst>
-          </p:cNvPr>
-          <p:cNvPicPr>
-            <a:picLocks noChangeAspect="1"/>
-          </p:cNvPicPr>
-          <p:nvPr/>
-        </p:nvPicPr>
-        <p:blipFill>
-          <a:blip r:embed="rId3">
+          <a:blip r:embed="rId2">
             <a:extLst>
               <a:ext uri="{28A0092B-C50C-407E-A947-70E740481C1C}">
                 <a14:useLocalDpi xmlns:a14="http://schemas.microsoft.com/office/drawing/2010/main" val="0"/>
@@ -6806,7 +6819,7 @@
         </p:blipFill>
         <p:spPr>
           <a:xfrm>
-            <a:off x="393224" y="1558587"/>
+            <a:off x="6007813" y="1409115"/>
             <a:ext cx="5852172" cy="4389129"/>
           </a:xfrm>
           <a:prstGeom prst="rect">
@@ -6816,10 +6829,10 @@
       </p:pic>
       <p:pic>
         <p:nvPicPr>
-          <p:cNvPr id="9" name="图片 8">
+          <p:cNvPr id="12" name="图片 11">
             <a:extLst>
               <a:ext uri="{FF2B5EF4-FFF2-40B4-BE49-F238E27FC236}">
-                <a16:creationId xmlns:a16="http://schemas.microsoft.com/office/drawing/2014/main" id="{C7885C8A-FB9E-419B-9226-6B40FDDA15A3}"/>
+                <a16:creationId xmlns:a16="http://schemas.microsoft.com/office/drawing/2014/main" id="{B59E895E-AFBF-8247-8BDE-5DDE8BE1A755}"/>
               </a:ext>
             </a:extLst>
           </p:cNvPr>
@@ -6829,7 +6842,7 @@
           <p:nvPr/>
         </p:nvPicPr>
         <p:blipFill>
-          <a:blip r:embed="rId4">
+          <a:blip r:embed="rId3">
             <a:extLst>
               <a:ext uri="{28A0092B-C50C-407E-A947-70E740481C1C}">
                 <a14:useLocalDpi xmlns:a14="http://schemas.microsoft.com/office/drawing/2010/main" val="0"/>
@@ -6842,7 +6855,7 @@
         </p:blipFill>
         <p:spPr>
           <a:xfrm>
-            <a:off x="5944561" y="1520487"/>
+            <a:off x="65314" y="1409116"/>
             <a:ext cx="5852172" cy="4389129"/>
           </a:xfrm>
           <a:prstGeom prst="rect">
@@ -6850,10 +6863,53 @@
           </a:prstGeom>
         </p:spPr>
       </p:pic>
+      <p:sp>
+        <p:nvSpPr>
+          <p:cNvPr id="13" name="文本框 12">
+            <a:extLst>
+              <a:ext uri="{FF2B5EF4-FFF2-40B4-BE49-F238E27FC236}">
+                <a16:creationId xmlns:a16="http://schemas.microsoft.com/office/drawing/2014/main" id="{389D1641-CE18-CCAA-7D27-A925E1453AB1}"/>
+              </a:ext>
+            </a:extLst>
+          </p:cNvPr>
+          <p:cNvSpPr txBox="1"/>
+          <p:nvPr/>
+        </p:nvSpPr>
+        <p:spPr>
+          <a:xfrm>
+            <a:off x="657485" y="963329"/>
+            <a:ext cx="5185273" cy="369332"/>
+          </a:xfrm>
+          <a:prstGeom prst="rect">
+            <a:avLst/>
+          </a:prstGeom>
+          <a:noFill/>
+        </p:spPr>
+        <p:txBody>
+          <a:bodyPr wrap="square" rtlCol="0">
+            <a:spAutoFit/>
+          </a:bodyPr>
+          <a:lstStyle/>
+          <a:p>
+            <a:r>
+              <a:rPr lang="en-US" altLang="zh-CN" dirty="0"/>
+              <a:t>TLS</a:t>
+            </a:r>
+            <a:r>
+              <a:rPr lang="zh-CN" altLang="en-US" dirty="0"/>
+              <a:t>，噪声水平在</a:t>
+            </a:r>
+            <a:r>
+              <a:rPr lang="en-US" altLang="zh-CN" dirty="0"/>
+              <a:t>0.01-2</a:t>
+            </a:r>
+          </a:p>
+        </p:txBody>
+      </p:sp>
     </p:spTree>
     <p:extLst>
       <p:ext uri="{BB962C8B-B14F-4D97-AF65-F5344CB8AC3E}">
-        <p14:creationId xmlns:p14="http://schemas.microsoft.com/office/powerpoint/2010/main" val="2964561006"/>
+        <p14:creationId xmlns:p14="http://schemas.microsoft.com/office/powerpoint/2010/main" val="3576065848"/>
       </p:ext>
     </p:extLst>
   </p:cSld>
@@ -6880,12 +6936,55 @@
           <a:chExt cx="0" cy="0"/>
         </a:xfrm>
       </p:grpSpPr>
+      <p:sp>
+        <p:nvSpPr>
+          <p:cNvPr id="2" name="文本框 1">
+            <a:extLst>
+              <a:ext uri="{FF2B5EF4-FFF2-40B4-BE49-F238E27FC236}">
+                <a16:creationId xmlns:a16="http://schemas.microsoft.com/office/drawing/2014/main" id="{5A133876-C5A1-4400-FE0A-B3592C9A8AE9}"/>
+              </a:ext>
+            </a:extLst>
+          </p:cNvPr>
+          <p:cNvSpPr txBox="1"/>
+          <p:nvPr/>
+        </p:nvSpPr>
+        <p:spPr>
+          <a:xfrm>
+            <a:off x="1568980" y="805231"/>
+            <a:ext cx="2997577" cy="369332"/>
+          </a:xfrm>
+          <a:prstGeom prst="rect">
+            <a:avLst/>
+          </a:prstGeom>
+          <a:noFill/>
+        </p:spPr>
+        <p:txBody>
+          <a:bodyPr wrap="square" rtlCol="0">
+            <a:spAutoFit/>
+          </a:bodyPr>
+          <a:lstStyle/>
+          <a:p>
+            <a:r>
+              <a:rPr lang="en-US" altLang="zh-CN" dirty="0"/>
+              <a:t>LS</a:t>
+            </a:r>
+            <a:r>
+              <a:rPr lang="zh-CN" altLang="en-US" dirty="0"/>
+              <a:t>，噪声水平在</a:t>
+            </a:r>
+            <a:r>
+              <a:rPr lang="en-US" altLang="zh-CN" dirty="0"/>
+              <a:t>0.01-2</a:t>
+            </a:r>
+          </a:p>
+        </p:txBody>
+      </p:sp>
       <p:pic>
         <p:nvPicPr>
-          <p:cNvPr id="10" name="图片 9">
+          <p:cNvPr id="8" name="图片 7">
             <a:extLst>
               <a:ext uri="{FF2B5EF4-FFF2-40B4-BE49-F238E27FC236}">
-                <a16:creationId xmlns:a16="http://schemas.microsoft.com/office/drawing/2014/main" id="{420FFBFD-F7C6-4722-A674-64DDE1054C4B}"/>
+                <a16:creationId xmlns:a16="http://schemas.microsoft.com/office/drawing/2014/main" id="{43A095E9-70CE-27AF-A84E-9FE3519BA89C}"/>
               </a:ext>
             </a:extLst>
           </p:cNvPr>
@@ -6895,37 +6994,7 @@
           <p:nvPr/>
         </p:nvPicPr>
         <p:blipFill>
-          <a:blip r:embed="rId2"/>
-          <a:stretch>
-            <a:fillRect/>
-          </a:stretch>
-        </p:blipFill>
-        <p:spPr>
-          <a:xfrm>
-            <a:off x="308181" y="309299"/>
-            <a:ext cx="2838846" cy="1086002"/>
-          </a:xfrm>
-          <a:prstGeom prst="rect">
-            <a:avLst/>
-          </a:prstGeom>
-        </p:spPr>
-      </p:pic>
-      <p:pic>
-        <p:nvPicPr>
-          <p:cNvPr id="4" name="图片 3">
-            <a:extLst>
-              <a:ext uri="{FF2B5EF4-FFF2-40B4-BE49-F238E27FC236}">
-                <a16:creationId xmlns:a16="http://schemas.microsoft.com/office/drawing/2014/main" id="{A46805FA-A833-4FD3-A66C-1D13372A5A61}"/>
-              </a:ext>
-            </a:extLst>
-          </p:cNvPr>
-          <p:cNvPicPr>
-            <a:picLocks noChangeAspect="1"/>
-          </p:cNvPicPr>
-          <p:nvPr/>
-        </p:nvPicPr>
-        <p:blipFill>
-          <a:blip r:embed="rId3">
+          <a:blip r:embed="rId2">
             <a:extLst>
               <a:ext uri="{28A0092B-C50C-407E-A947-70E740481C1C}">
                 <a14:useLocalDpi xmlns:a14="http://schemas.microsoft.com/office/drawing/2010/main" val="0"/>
@@ -6938,7 +7007,7 @@
         </p:blipFill>
         <p:spPr>
           <a:xfrm>
-            <a:off x="6096000" y="1471501"/>
+            <a:off x="5939426" y="1173860"/>
             <a:ext cx="5852172" cy="4389129"/>
           </a:xfrm>
           <a:prstGeom prst="rect">
@@ -6948,10 +7017,10 @@
       </p:pic>
       <p:pic>
         <p:nvPicPr>
-          <p:cNvPr id="7" name="图片 6">
+          <p:cNvPr id="21" name="图片 20">
             <a:extLst>
               <a:ext uri="{FF2B5EF4-FFF2-40B4-BE49-F238E27FC236}">
-                <a16:creationId xmlns:a16="http://schemas.microsoft.com/office/drawing/2014/main" id="{270C81FD-C67C-42D6-B091-33C9949FEEF7}"/>
+                <a16:creationId xmlns:a16="http://schemas.microsoft.com/office/drawing/2014/main" id="{CF7F558B-1074-3521-BF5D-F8F57EF459C2}"/>
               </a:ext>
             </a:extLst>
           </p:cNvPr>
@@ -6961,7 +7030,7 @@
           <p:nvPr/>
         </p:nvPicPr>
         <p:blipFill>
-          <a:blip r:embed="rId4">
+          <a:blip r:embed="rId3">
             <a:extLst>
               <a:ext uri="{28A0092B-C50C-407E-A947-70E740481C1C}">
                 <a14:useLocalDpi xmlns:a14="http://schemas.microsoft.com/office/drawing/2010/main" val="0"/>
@@ -6974,7 +7043,7 @@
         </p:blipFill>
         <p:spPr>
           <a:xfrm>
-            <a:off x="308181" y="1471501"/>
+            <a:off x="141682" y="1174563"/>
             <a:ext cx="5852172" cy="4389129"/>
           </a:xfrm>
           <a:prstGeom prst="rect">
@@ -6982,10 +7051,53 @@
           </a:prstGeom>
         </p:spPr>
       </p:pic>
+      <p:sp>
+        <p:nvSpPr>
+          <p:cNvPr id="22" name="文本框 21">
+            <a:extLst>
+              <a:ext uri="{FF2B5EF4-FFF2-40B4-BE49-F238E27FC236}">
+                <a16:creationId xmlns:a16="http://schemas.microsoft.com/office/drawing/2014/main" id="{71D677C2-82A5-5181-A3D6-869C291A98F0}"/>
+              </a:ext>
+            </a:extLst>
+          </p:cNvPr>
+          <p:cNvSpPr txBox="1"/>
+          <p:nvPr/>
+        </p:nvSpPr>
+        <p:spPr>
+          <a:xfrm>
+            <a:off x="7485366" y="804528"/>
+            <a:ext cx="2997577" cy="369332"/>
+          </a:xfrm>
+          <a:prstGeom prst="rect">
+            <a:avLst/>
+          </a:prstGeom>
+          <a:noFill/>
+        </p:spPr>
+        <p:txBody>
+          <a:bodyPr wrap="square" rtlCol="0">
+            <a:spAutoFit/>
+          </a:bodyPr>
+          <a:lstStyle/>
+          <a:p>
+            <a:r>
+              <a:rPr lang="en-US" altLang="zh-CN" dirty="0"/>
+              <a:t>LS</a:t>
+            </a:r>
+            <a:r>
+              <a:rPr lang="zh-CN" altLang="en-US" dirty="0"/>
+              <a:t>，噪声水平在</a:t>
+            </a:r>
+            <a:r>
+              <a:rPr lang="en-US" altLang="zh-CN" dirty="0"/>
+              <a:t>0.01-5</a:t>
+            </a:r>
+          </a:p>
+        </p:txBody>
+      </p:sp>
     </p:spTree>
     <p:extLst>
       <p:ext uri="{BB962C8B-B14F-4D97-AF65-F5344CB8AC3E}">
-        <p14:creationId xmlns:p14="http://schemas.microsoft.com/office/powerpoint/2010/main" val="3456142532"/>
+        <p14:creationId xmlns:p14="http://schemas.microsoft.com/office/powerpoint/2010/main" val="461411480"/>
       </p:ext>
     </p:extLst>
   </p:cSld>
@@ -7012,12 +7124,139 @@
           <a:chExt cx="0" cy="0"/>
         </a:xfrm>
       </p:grpSpPr>
+      <p:sp>
+        <p:nvSpPr>
+          <p:cNvPr id="2" name="文本框 1">
+            <a:extLst>
+              <a:ext uri="{FF2B5EF4-FFF2-40B4-BE49-F238E27FC236}">
+                <a16:creationId xmlns:a16="http://schemas.microsoft.com/office/drawing/2014/main" id="{5A133876-C5A1-4400-FE0A-B3592C9A8AE9}"/>
+              </a:ext>
+            </a:extLst>
+          </p:cNvPr>
+          <p:cNvSpPr txBox="1"/>
+          <p:nvPr/>
+        </p:nvSpPr>
+        <p:spPr>
+          <a:xfrm>
+            <a:off x="6890657" y="805231"/>
+            <a:ext cx="4887686" cy="1754326"/>
+          </a:xfrm>
+          <a:prstGeom prst="rect">
+            <a:avLst/>
+          </a:prstGeom>
+          <a:noFill/>
+        </p:spPr>
+        <p:txBody>
+          <a:bodyPr wrap="square" rtlCol="0">
+            <a:spAutoFit/>
+          </a:bodyPr>
+          <a:lstStyle/>
+          <a:p>
+            <a:r>
+              <a:rPr lang="en-US" altLang="zh-CN" b="1" dirty="0"/>
+              <a:t>1.</a:t>
+            </a:r>
+            <a:r>
+              <a:rPr lang="zh-CN" altLang="en-US" dirty="0"/>
+              <a:t>在不刻意扩大噪声比例差距的情况下：</a:t>
+            </a:r>
+            <a:r>
+              <a:rPr lang="en-US" altLang="zh-CN" dirty="0"/>
+              <a:t>TLS</a:t>
+            </a:r>
+            <a:r>
+              <a:rPr lang="zh-CN" altLang="en-US" dirty="0"/>
+              <a:t>效果优于</a:t>
+            </a:r>
+            <a:r>
+              <a:rPr lang="en-US" altLang="zh-CN" dirty="0"/>
+              <a:t>LS</a:t>
+            </a:r>
+            <a:r>
+              <a:rPr lang="zh-CN" altLang="en-US" dirty="0"/>
+              <a:t>，但</a:t>
+            </a:r>
+            <a:r>
+              <a:rPr lang="en-US" altLang="zh-CN" dirty="0"/>
+              <a:t>TLS_EM</a:t>
+            </a:r>
+            <a:r>
+              <a:rPr lang="zh-CN" altLang="en-US" dirty="0"/>
+              <a:t>和</a:t>
+            </a:r>
+            <a:r>
+              <a:rPr lang="en-US" altLang="zh-CN" dirty="0"/>
+              <a:t>LS_EM</a:t>
+            </a:r>
+            <a:r>
+              <a:rPr lang="zh-CN" altLang="en-US" dirty="0"/>
+              <a:t>优势并未体现</a:t>
+            </a:r>
+            <a:endParaRPr lang="en-US" altLang="zh-CN" dirty="0"/>
+          </a:p>
+          <a:p>
+            <a:endParaRPr lang="en-US" altLang="zh-CN" dirty="0"/>
+          </a:p>
+          <a:p>
+            <a:r>
+              <a:rPr lang="en-US" altLang="zh-CN" b="1" dirty="0"/>
+              <a:t>2.</a:t>
+            </a:r>
+            <a:r>
+              <a:rPr lang="zh-CN" altLang="en-US" dirty="0"/>
+              <a:t>刻意扩大噪声比例差距：</a:t>
+            </a:r>
+            <a:r>
+              <a:rPr lang="en-US" altLang="zh-CN" dirty="0"/>
+              <a:t>TLS</a:t>
+            </a:r>
+            <a:r>
+              <a:rPr lang="zh-CN" altLang="en-US" dirty="0"/>
+              <a:t>效果明显劣于</a:t>
+            </a:r>
+            <a:r>
+              <a:rPr lang="en-US" altLang="zh-CN" dirty="0"/>
+              <a:t>LS</a:t>
+            </a:r>
+          </a:p>
+          <a:p>
+            <a:r>
+              <a:rPr lang="en-US" altLang="zh-CN" dirty="0"/>
+              <a:t>   LS_EM</a:t>
+            </a:r>
+            <a:r>
+              <a:rPr lang="zh-CN" altLang="en-US" dirty="0"/>
+              <a:t>无论噪声水平大小优势都优于</a:t>
+            </a:r>
+            <a:r>
+              <a:rPr lang="en-US" altLang="zh-CN" dirty="0"/>
+              <a:t>LS</a:t>
+            </a:r>
+            <a:r>
+              <a:rPr lang="zh-CN" altLang="en-US" dirty="0"/>
+              <a:t>；</a:t>
+            </a:r>
+            <a:endParaRPr lang="en-US" altLang="zh-CN" dirty="0"/>
+          </a:p>
+          <a:p>
+            <a:r>
+              <a:rPr lang="en-US" altLang="zh-CN" dirty="0"/>
+              <a:t>   TLS_EM</a:t>
+            </a:r>
+            <a:r>
+              <a:rPr lang="zh-CN" altLang="en-US" dirty="0"/>
+              <a:t>仅在噪声水平大的时候优势明显；</a:t>
+            </a:r>
+            <a:endParaRPr lang="en-US" altLang="zh-CN" dirty="0"/>
+          </a:p>
+        </p:txBody>
+      </p:sp>
       <p:pic>
         <p:nvPicPr>
-          <p:cNvPr id="8" name="图片 7">
+          <p:cNvPr id="17" name="图片 16">
             <a:extLst>
               <a:ext uri="{FF2B5EF4-FFF2-40B4-BE49-F238E27FC236}">
-                <a16:creationId xmlns:a16="http://schemas.microsoft.com/office/drawing/2014/main" id="{FB22DAAD-3D23-43A8-9357-7C9D64E8856E}"/>
+                <a16:creationId xmlns:a16="http://schemas.microsoft.com/office/drawing/2014/main" id="{98B8E084-70FC-2F14-21F2-AACCCEBC85F3}"/>
               </a:ext>
             </a:extLst>
           </p:cNvPr>
@@ -7027,37 +7266,7 @@
           <p:nvPr/>
         </p:nvPicPr>
         <p:blipFill>
-          <a:blip r:embed="rId2"/>
-          <a:stretch>
-            <a:fillRect/>
-          </a:stretch>
-        </p:blipFill>
-        <p:spPr>
-          <a:xfrm>
-            <a:off x="248200" y="278007"/>
-            <a:ext cx="2781688" cy="1057423"/>
-          </a:xfrm>
-          <a:prstGeom prst="rect">
-            <a:avLst/>
-          </a:prstGeom>
-        </p:spPr>
-      </p:pic>
-      <p:pic>
-        <p:nvPicPr>
-          <p:cNvPr id="3" name="图片 2">
-            <a:extLst>
-              <a:ext uri="{FF2B5EF4-FFF2-40B4-BE49-F238E27FC236}">
-                <a16:creationId xmlns:a16="http://schemas.microsoft.com/office/drawing/2014/main" id="{AFE016FB-098A-4B67-A82B-DD3669FCD50F}"/>
-              </a:ext>
-            </a:extLst>
-          </p:cNvPr>
-          <p:cNvPicPr>
-            <a:picLocks noChangeAspect="1"/>
-          </p:cNvPicPr>
-          <p:nvPr/>
-        </p:nvPicPr>
-        <p:blipFill>
-          <a:blip r:embed="rId3">
+          <a:blip r:embed="rId2">
             <a:extLst>
               <a:ext uri="{28A0092B-C50C-407E-A947-70E740481C1C}">
                 <a14:useLocalDpi xmlns:a14="http://schemas.microsoft.com/office/drawing/2010/main" val="0"/>
@@ -7070,43 +7279,7 @@
         </p:blipFill>
         <p:spPr>
           <a:xfrm>
-            <a:off x="6177642" y="1426749"/>
-            <a:ext cx="5852172" cy="4389129"/>
-          </a:xfrm>
-          <a:prstGeom prst="rect">
-            <a:avLst/>
-          </a:prstGeom>
-        </p:spPr>
-      </p:pic>
-      <p:pic>
-        <p:nvPicPr>
-          <p:cNvPr id="6" name="图片 5">
-            <a:extLst>
-              <a:ext uri="{FF2B5EF4-FFF2-40B4-BE49-F238E27FC236}">
-                <a16:creationId xmlns:a16="http://schemas.microsoft.com/office/drawing/2014/main" id="{D9E1EC77-E586-43AC-9099-61729EE2239F}"/>
-              </a:ext>
-            </a:extLst>
-          </p:cNvPr>
-          <p:cNvPicPr>
-            <a:picLocks noChangeAspect="1"/>
-          </p:cNvPicPr>
-          <p:nvPr/>
-        </p:nvPicPr>
-        <p:blipFill>
-          <a:blip r:embed="rId4">
-            <a:extLst>
-              <a:ext uri="{28A0092B-C50C-407E-A947-70E740481C1C}">
-                <a14:useLocalDpi xmlns:a14="http://schemas.microsoft.com/office/drawing/2010/main" val="0"/>
-              </a:ext>
-            </a:extLst>
-          </a:blip>
-          <a:stretch>
-            <a:fillRect/>
-          </a:stretch>
-        </p:blipFill>
-        <p:spPr>
-          <a:xfrm>
-            <a:off x="248200" y="1426748"/>
+            <a:off x="791385" y="1174563"/>
             <a:ext cx="5852172" cy="4389129"/>
           </a:xfrm>
           <a:prstGeom prst="rect">
@@ -7117,7 +7290,7 @@
     </p:spTree>
     <p:extLst>
       <p:ext uri="{BB962C8B-B14F-4D97-AF65-F5344CB8AC3E}">
-        <p14:creationId xmlns:p14="http://schemas.microsoft.com/office/powerpoint/2010/main" val="2593004689"/>
+        <p14:creationId xmlns:p14="http://schemas.microsoft.com/office/powerpoint/2010/main" val="2113543488"/>
       </p:ext>
     </p:extLst>
   </p:cSld>
